--- a/Presentation.pptx
+++ b/Presentation.pptx
@@ -3343,6 +3343,38 @@
           <a:chExt cx="0" cy="0"/>
         </a:xfrm>
       </p:grpSpPr>
+      <p:pic>
+        <p:nvPicPr>
+          <p:cNvPr id="5" name="Picture 4">
+            <a:extLst>
+              <a:ext uri="{FF2B5EF4-FFF2-40B4-BE49-F238E27FC236}">
+                <a16:creationId xmlns:a16="http://schemas.microsoft.com/office/drawing/2014/main" id="{74E0C723-819A-C84D-A148-EF5E56AE34E4}"/>
+              </a:ext>
+            </a:extLst>
+          </p:cNvPr>
+          <p:cNvPicPr>
+            <a:picLocks noChangeAspect="1"/>
+          </p:cNvPicPr>
+          <p:nvPr/>
+        </p:nvPicPr>
+        <p:blipFill>
+          <a:blip r:embed="rId2">
+            <a:alphaModFix amt="20000"/>
+          </a:blip>
+          <a:stretch>
+            <a:fillRect/>
+          </a:stretch>
+        </p:blipFill>
+        <p:spPr>
+          <a:xfrm>
+            <a:off x="-1" y="-1"/>
+            <a:ext cx="12192001" cy="6859463"/>
+          </a:xfrm>
+          <a:prstGeom prst="rect">
+            <a:avLst/>
+          </a:prstGeom>
+        </p:spPr>
+      </p:pic>
       <p:sp>
         <p:nvSpPr>
           <p:cNvPr id="2" name="Title 1">
@@ -3365,14 +3397,14 @@
           <a:lstStyle/>
           <a:p>
             <a:r>
-              <a:rPr lang="en-US" dirty="0"/>
+              <a:rPr lang="en-US" b="1" dirty="0"/>
               <a:t>#</a:t>
             </a:r>
             <a:r>
-              <a:rPr lang="en-US" dirty="0" err="1"/>
+              <a:rPr lang="en-US" b="1" dirty="0" err="1"/>
               <a:t>TakeMeHome</a:t>
             </a:r>
-            <a:endParaRPr lang="en-US" dirty="0"/>
+            <a:endParaRPr lang="en-US" b="1" dirty="0"/>
           </a:p>
         </p:txBody>
       </p:sp>
@@ -3399,7 +3431,7 @@
           <a:p>
             <a:r>
               <a:rPr lang="en-US" dirty="0"/>
-              <a:t>Autonomous Driving Voice Assistance</a:t>
+              <a:t>Voice Assistance for Autonomous Driving scenarios</a:t>
             </a:r>
           </a:p>
           <a:p>
@@ -7089,7 +7121,7 @@
             <a:pPr algn="ctr"/>
             <a:r>
               <a:rPr lang="en-US" sz="2800" dirty="0"/>
-              <a:t>Stage 2</a:t>
+              <a:t>Exit</a:t>
             </a:r>
           </a:p>
         </p:txBody>
@@ -7501,6 +7533,151 @@
         <p:spPr>
           <a:xfrm>
             <a:off x="4809654" y="6181498"/>
+            <a:ext cx="369715" cy="0"/>
+          </a:xfrm>
+          <a:prstGeom prst="straightConnector1">
+            <a:avLst/>
+          </a:prstGeom>
+          <a:ln>
+            <a:tailEnd type="triangle"/>
+          </a:ln>
+        </p:spPr>
+        <p:style>
+          <a:lnRef idx="1">
+            <a:schemeClr val="accent1"/>
+          </a:lnRef>
+          <a:fillRef idx="0">
+            <a:schemeClr val="accent1"/>
+          </a:fillRef>
+          <a:effectRef idx="0">
+            <a:schemeClr val="accent1"/>
+          </a:effectRef>
+          <a:fontRef idx="minor">
+            <a:schemeClr val="tx1"/>
+          </a:fontRef>
+        </p:style>
+      </p:cxnSp>
+      <p:sp>
+        <p:nvSpPr>
+          <p:cNvPr id="19" name="Rectangle 18">
+            <a:extLst>
+              <a:ext uri="{FF2B5EF4-FFF2-40B4-BE49-F238E27FC236}">
+                <a16:creationId xmlns:a16="http://schemas.microsoft.com/office/drawing/2014/main" id="{B45F03F9-CC56-9642-A50C-A23A1B18FC66}"/>
+              </a:ext>
+            </a:extLst>
+          </p:cNvPr>
+          <p:cNvSpPr/>
+          <p:nvPr/>
+        </p:nvSpPr>
+        <p:spPr>
+          <a:xfrm>
+            <a:off x="6026323" y="3052069"/>
+            <a:ext cx="1990725" cy="612862"/>
+          </a:xfrm>
+          <a:prstGeom prst="rect">
+            <a:avLst/>
+          </a:prstGeom>
+          <a:ln>
+            <a:solidFill>
+              <a:schemeClr val="accent1"/>
+            </a:solidFill>
+          </a:ln>
+        </p:spPr>
+        <p:style>
+          <a:lnRef idx="2">
+            <a:schemeClr val="accent6"/>
+          </a:lnRef>
+          <a:fillRef idx="1">
+            <a:schemeClr val="lt1"/>
+          </a:fillRef>
+          <a:effectRef idx="0">
+            <a:schemeClr val="accent6"/>
+          </a:effectRef>
+          <a:fontRef idx="minor">
+            <a:schemeClr val="dk1"/>
+          </a:fontRef>
+        </p:style>
+        <p:txBody>
+          <a:bodyPr rtlCol="0" anchor="ctr"/>
+          <a:lstStyle/>
+          <a:p>
+            <a:pPr algn="ctr"/>
+            <a:r>
+              <a:rPr lang="en-US" sz="2800" dirty="0"/>
+              <a:t>NO</a:t>
+            </a:r>
+          </a:p>
+        </p:txBody>
+      </p:sp>
+      <p:sp>
+        <p:nvSpPr>
+          <p:cNvPr id="20" name="Rectangle 19">
+            <a:extLst>
+              <a:ext uri="{FF2B5EF4-FFF2-40B4-BE49-F238E27FC236}">
+                <a16:creationId xmlns:a16="http://schemas.microsoft.com/office/drawing/2014/main" id="{8D697CCF-6D50-A14A-A9B9-47DD54531624}"/>
+              </a:ext>
+            </a:extLst>
+          </p:cNvPr>
+          <p:cNvSpPr/>
+          <p:nvPr/>
+        </p:nvSpPr>
+        <p:spPr>
+          <a:xfrm>
+            <a:off x="8386763" y="3062040"/>
+            <a:ext cx="1990725" cy="612862"/>
+          </a:xfrm>
+          <a:prstGeom prst="rect">
+            <a:avLst/>
+          </a:prstGeom>
+          <a:ln>
+            <a:solidFill>
+              <a:schemeClr val="accent1"/>
+            </a:solidFill>
+          </a:ln>
+        </p:spPr>
+        <p:style>
+          <a:lnRef idx="2">
+            <a:schemeClr val="accent6"/>
+          </a:lnRef>
+          <a:fillRef idx="1">
+            <a:schemeClr val="lt1"/>
+          </a:fillRef>
+          <a:effectRef idx="0">
+            <a:schemeClr val="accent6"/>
+          </a:effectRef>
+          <a:fontRef idx="minor">
+            <a:schemeClr val="dk1"/>
+          </a:fontRef>
+        </p:style>
+        <p:txBody>
+          <a:bodyPr rtlCol="0" anchor="ctr"/>
+          <a:lstStyle/>
+          <a:p>
+            <a:pPr algn="ctr"/>
+            <a:r>
+              <a:rPr lang="en-US" sz="2800" dirty="0"/>
+              <a:t>Exit</a:t>
+            </a:r>
+          </a:p>
+        </p:txBody>
+      </p:sp>
+      <p:cxnSp>
+        <p:nvCxnSpPr>
+          <p:cNvPr id="21" name="Straight Arrow Connector 20">
+            <a:extLst>
+              <a:ext uri="{FF2B5EF4-FFF2-40B4-BE49-F238E27FC236}">
+                <a16:creationId xmlns:a16="http://schemas.microsoft.com/office/drawing/2014/main" id="{AA1AF0A2-CF24-B641-A605-184A8E430671}"/>
+              </a:ext>
+            </a:extLst>
+          </p:cNvPr>
+          <p:cNvCxnSpPr>
+            <a:cxnSpLocks/>
+          </p:cNvCxnSpPr>
+          <p:nvPr/>
+        </p:nvCxnSpPr>
+        <p:spPr>
+          <a:xfrm>
+            <a:off x="8017048" y="3359144"/>
             <a:ext cx="369715" cy="0"/>
           </a:xfrm>
           <a:prstGeom prst="straightConnector1">
@@ -7646,7 +7823,7 @@
           <a:p>
             <a:r>
               <a:rPr lang="en-US" dirty="0"/>
-              <a:t>Pandora</a:t>
+              <a:t>Pandora’s Box</a:t>
             </a:r>
           </a:p>
         </p:txBody>
@@ -7674,7 +7851,7 @@
           <a:p>
             <a:r>
               <a:rPr lang="en-US" dirty="0"/>
-              <a:t>Voice assistance for Autonomous Driving scenarios</a:t>
+              <a:t>Scenarios</a:t>
             </a:r>
           </a:p>
           <a:p>
@@ -7753,7 +7930,7 @@
           <a:p>
             <a:r>
               <a:rPr lang="en-US" dirty="0"/>
-              <a:t>Pandora Actions</a:t>
+              <a:t>Pandora’s Actions</a:t>
             </a:r>
           </a:p>
         </p:txBody>
@@ -7781,7 +7958,7 @@
           <a:p>
             <a:r>
               <a:rPr lang="en-US" dirty="0"/>
-              <a:t>Reactive (expecting an answer)</a:t>
+              <a:t>Reactive (expecting an answer, e.g. yes/no)</a:t>
             </a:r>
           </a:p>
           <a:p>
@@ -7793,7 +7970,7 @@
           <a:p>
             <a:r>
               <a:rPr lang="en-US" dirty="0"/>
-              <a:t>Routines (1 command – multiple tasks)</a:t>
+              <a:t>Routines (1 command –&gt; multiple tasks)</a:t>
             </a:r>
           </a:p>
         </p:txBody>
@@ -8213,14 +8390,14 @@
             <a:pPr lvl="1"/>
             <a:r>
               <a:rPr lang="en-US" dirty="0"/>
-              <a:t>Check Gas level</a:t>
+              <a:t>Fuel service</a:t>
             </a:r>
           </a:p>
           <a:p>
             <a:pPr lvl="1"/>
             <a:r>
               <a:rPr lang="en-US" dirty="0"/>
-              <a:t>Check Shopping List</a:t>
+              <a:t>Shopping service</a:t>
             </a:r>
           </a:p>
           <a:p>

--- a/Presentation.pptx
+++ b/Presentation.pptx
@@ -8523,7 +8523,15 @@
           <a:p>
             <a:r>
               <a:rPr lang="en-US" sz="4400" dirty="0"/>
-              <a:t>Alexa, ask Pandora to take me home</a:t>
+              <a:t>Alexa, ask </a:t>
+            </a:r>
+            <a:r>
+              <a:rPr lang="en-US" sz="4400" dirty="0" err="1"/>
+              <a:t>CarTalk</a:t>
+            </a:r>
+            <a:r>
+              <a:rPr lang="en-US" sz="4400" dirty="0"/>
+              <a:t> to take me home</a:t>
             </a:r>
           </a:p>
         </p:txBody>
